--- a/01 GettingStarted/01b Processor and editor methods.pptx
+++ b/01 GettingStarted/01b Processor and editor methods.pptx
@@ -124,6 +124,58 @@
 </p:presentation>
 </file>
 
+<file path=ppt/changesInfos/changesInfo1.xml><?xml version="1.0" encoding="utf-8"?>
+<pc:chgInfo xmlns:a="http://schemas.openxmlformats.org/drawingml/2006/main" xmlns:r="http://schemas.openxmlformats.org/officeDocument/2006/relationships" xmlns:ac="http://schemas.microsoft.com/office/drawing/2013/main/command" xmlns:pc="http://schemas.microsoft.com/office/powerpoint/2013/main/command">
+  <pc:docChgLst>
+    <pc:chgData name="Joshua Reiss" userId="71f87c30-4769-4a42-a082-a6a82298c8cb" providerId="ADAL" clId="{954E77A4-9284-4408-B046-347CB4AAE573}"/>
+    <pc:docChg chg="custSel modSld">
+      <pc:chgData name="Joshua Reiss" userId="71f87c30-4769-4a42-a082-a6a82298c8cb" providerId="ADAL" clId="{954E77A4-9284-4408-B046-347CB4AAE573}" dt="2025-01-30T15:28:28.629" v="61" actId="6549"/>
+      <pc:docMkLst>
+        <pc:docMk/>
+      </pc:docMkLst>
+      <pc:sldChg chg="modSp mod">
+        <pc:chgData name="Joshua Reiss" userId="71f87c30-4769-4a42-a082-a6a82298c8cb" providerId="ADAL" clId="{954E77A4-9284-4408-B046-347CB4AAE573}" dt="2025-01-30T14:42:43.099" v="9" actId="1037"/>
+        <pc:sldMkLst>
+          <pc:docMk/>
+          <pc:sldMk cId="998146966" sldId="292"/>
+        </pc:sldMkLst>
+        <pc:spChg chg="mod">
+          <ac:chgData name="Joshua Reiss" userId="71f87c30-4769-4a42-a082-a6a82298c8cb" providerId="ADAL" clId="{954E77A4-9284-4408-B046-347CB4AAE573}" dt="2025-01-30T14:42:43.099" v="9" actId="1037"/>
+          <ac:spMkLst>
+            <pc:docMk/>
+            <pc:sldMk cId="998146966" sldId="292"/>
+            <ac:spMk id="3" creationId="{FD320413-1026-D741-C185-8E2FCC1E5DDF}"/>
+          </ac:spMkLst>
+        </pc:spChg>
+        <pc:spChg chg="mod">
+          <ac:chgData name="Joshua Reiss" userId="71f87c30-4769-4a42-a082-a6a82298c8cb" providerId="ADAL" clId="{954E77A4-9284-4408-B046-347CB4AAE573}" dt="2025-01-30T14:42:32.030" v="0" actId="1076"/>
+          <ac:spMkLst>
+            <pc:docMk/>
+            <pc:sldMk cId="998146966" sldId="292"/>
+            <ac:spMk id="4" creationId="{8716871F-5245-D3B6-2D3F-011C1192C3B2}"/>
+          </ac:spMkLst>
+        </pc:spChg>
+      </pc:sldChg>
+      <pc:sldChg chg="modSp mod">
+        <pc:chgData name="Joshua Reiss" userId="71f87c30-4769-4a42-a082-a6a82298c8cb" providerId="ADAL" clId="{954E77A4-9284-4408-B046-347CB4AAE573}" dt="2025-01-30T15:28:28.629" v="61" actId="6549"/>
+        <pc:sldMkLst>
+          <pc:docMk/>
+          <pc:sldMk cId="3652759980" sldId="342"/>
+        </pc:sldMkLst>
+        <pc:spChg chg="mod">
+          <ac:chgData name="Joshua Reiss" userId="71f87c30-4769-4a42-a082-a6a82298c8cb" providerId="ADAL" clId="{954E77A4-9284-4408-B046-347CB4AAE573}" dt="2025-01-30T15:28:28.629" v="61" actId="6549"/>
+          <ac:spMkLst>
+            <pc:docMk/>
+            <pc:sldMk cId="3652759980" sldId="342"/>
+            <ac:spMk id="3" creationId="{228C0CB4-55B0-18A6-55A3-720D32C89CE1}"/>
+          </ac:spMkLst>
+        </pc:spChg>
+      </pc:sldChg>
+    </pc:docChg>
+  </pc:docChgLst>
+</pc:chgInfo>
+</file>
+
 <file path=ppt/notesMasters/notesMaster1.xml><?xml version="1.0" encoding="utf-8"?>
 <p:notesMaster xmlns:a="http://schemas.openxmlformats.org/drawingml/2006/main" xmlns:r="http://schemas.openxmlformats.org/officeDocument/2006/relationships" xmlns:p="http://schemas.openxmlformats.org/presentationml/2006/main">
   <p:cSld>
@@ -206,7 +258,7 @@
           <a:p>
             <a:fld id="{58338CC4-4E61-4E88-8B97-D8247B067FE5}" type="datetimeFigureOut">
               <a:rPr lang="en-GB" smtClean="0"/>
-              <a:t>30/01/2024</a:t>
+              <a:t>30/01/2025</a:t>
             </a:fld>
             <a:endParaRPr lang="en-GB"/>
           </a:p>
@@ -3846,7 +3898,7 @@
         </p:nvSpPr>
         <p:spPr>
           <a:xfrm>
-            <a:off x="83344" y="802659"/>
+            <a:off x="1048" y="802659"/>
             <a:ext cx="4977984" cy="5901612"/>
           </a:xfrm>
         </p:spPr>
@@ -4179,7 +4231,7 @@
         </p:nvSpPr>
         <p:spPr>
           <a:xfrm>
-            <a:off x="4977300" y="802659"/>
+            <a:off x="4684692" y="856357"/>
             <a:ext cx="9861619" cy="6001643"/>
           </a:xfrm>
           <a:prstGeom prst="rect">
@@ -10019,7 +10071,7 @@
               <a:buNone/>
             </a:pPr>
             <a:r>
-              <a:rPr lang="en-GB" sz="1800" kern="0" dirty="0">
+              <a:rPr lang="en-GB" sz="2400" kern="0" dirty="0">
                 <a:solidFill>
                   <a:srgbClr val="0000FF"/>
                 </a:solidFill>
@@ -10031,7 +10083,7 @@
               <a:t>void</a:t>
             </a:r>
             <a:r>
-              <a:rPr lang="en-GB" sz="1800" kern="0" dirty="0">
+              <a:rPr lang="en-GB" sz="2400" kern="0" dirty="0">
                 <a:solidFill>
                   <a:srgbClr val="000000"/>
                 </a:solidFill>
@@ -10043,7 +10095,7 @@
               <a:t> </a:t>
             </a:r>
             <a:r>
-              <a:rPr lang="en-GB" sz="1800" kern="0" dirty="0" err="1">
+              <a:rPr lang="en-GB" sz="2400" kern="0" dirty="0" err="1">
                 <a:solidFill>
                   <a:srgbClr val="000000"/>
                 </a:solidFill>
@@ -10055,7 +10107,7 @@
               <a:t>processBlock</a:t>
             </a:r>
             <a:r>
-              <a:rPr lang="en-GB" sz="1800" kern="0" dirty="0">
+              <a:rPr lang="en-GB" sz="2400" kern="0" dirty="0">
                 <a:solidFill>
                   <a:srgbClr val="000000"/>
                 </a:solidFill>
@@ -10067,7 +10119,7 @@
               <a:t> (</a:t>
             </a:r>
             <a:r>
-              <a:rPr lang="en-GB" sz="1800" kern="0" dirty="0" err="1">
+              <a:rPr lang="en-GB" sz="2400" kern="0" dirty="0" err="1">
                 <a:solidFill>
                   <a:srgbClr val="2B91AF"/>
                 </a:solidFill>
@@ -10079,7 +10131,7 @@
               <a:t>AudioBuffer</a:t>
             </a:r>
             <a:r>
-              <a:rPr lang="en-GB" sz="1800" kern="0" dirty="0">
+              <a:rPr lang="en-GB" sz="2400" kern="0" dirty="0">
                 <a:solidFill>
                   <a:srgbClr val="000000"/>
                 </a:solidFill>
@@ -10091,7 +10143,7 @@
               <a:t>&lt;</a:t>
             </a:r>
             <a:r>
-              <a:rPr lang="en-GB" sz="1800" kern="0" dirty="0">
+              <a:rPr lang="en-GB" sz="2400" kern="0" dirty="0">
                 <a:solidFill>
                   <a:srgbClr val="0000FF"/>
                 </a:solidFill>
@@ -10103,7 +10155,7 @@
               <a:t>float</a:t>
             </a:r>
             <a:r>
-              <a:rPr lang="en-GB" sz="1800" kern="0" dirty="0">
+              <a:rPr lang="en-GB" sz="2400" kern="0" dirty="0">
                 <a:solidFill>
                   <a:srgbClr val="000000"/>
                 </a:solidFill>
@@ -10115,7 +10167,7 @@
               <a:t>&gt;&amp;, </a:t>
             </a:r>
             <a:r>
-              <a:rPr lang="en-GB" sz="1800" kern="0" dirty="0" err="1">
+              <a:rPr lang="en-GB" sz="2400" kern="0" dirty="0" err="1">
                 <a:solidFill>
                   <a:srgbClr val="2B91AF"/>
                 </a:solidFill>
@@ -10127,7 +10179,7 @@
               <a:t>MidiBuffer</a:t>
             </a:r>
             <a:r>
-              <a:rPr lang="en-GB" sz="1800" kern="0" dirty="0">
+              <a:rPr lang="en-GB" sz="2400" kern="0" dirty="0">
                 <a:solidFill>
                   <a:srgbClr val="000000"/>
                 </a:solidFill>
@@ -10139,7 +10191,7 @@
               <a:t>&amp;) </a:t>
             </a:r>
             <a:r>
-              <a:rPr lang="en-GB" sz="1800" kern="0" dirty="0">
+              <a:rPr lang="en-GB" sz="2400" kern="0" dirty="0">
                 <a:solidFill>
                   <a:srgbClr val="0000FF"/>
                 </a:solidFill>
@@ -10151,7 +10203,7 @@
               <a:t>override</a:t>
             </a:r>
             <a:r>
-              <a:rPr lang="en-GB" sz="1800" kern="0" dirty="0">
+              <a:rPr lang="en-GB" sz="2400" kern="0" dirty="0">
                 <a:solidFill>
                   <a:srgbClr val="000000"/>
                 </a:solidFill>
@@ -10162,7 +10214,7 @@
               </a:rPr>
               <a:t>;</a:t>
             </a:r>
-            <a:endParaRPr lang="en-GB" sz="1800" kern="100" dirty="0">
+            <a:endParaRPr lang="en-GB" sz="2400" kern="100" dirty="0">
               <a:effectLst/>
               <a:latin typeface="Times New Roman" panose="02020603050405020304" pitchFamily="18" charset="0"/>
               <a:ea typeface="Times New Roman" panose="02020603050405020304" pitchFamily="18" charset="0"/>
@@ -10175,14 +10227,14 @@
               </a:lnSpc>
             </a:pPr>
             <a:r>
-              <a:rPr lang="en-GB" sz="1800" kern="0" dirty="0">
+              <a:rPr lang="en-GB" sz="2400" kern="0" dirty="0">
                 <a:effectLst/>
                 <a:latin typeface="+mj-lt"/>
                 <a:ea typeface="Times New Roman" panose="02020603050405020304" pitchFamily="18" charset="0"/>
               </a:rPr>
               <a:t>Processes one buffer ("block") of data</a:t>
             </a:r>
-            <a:endParaRPr lang="en-GB" sz="1800" kern="100" dirty="0">
+            <a:endParaRPr lang="en-GB" sz="2400" kern="100" dirty="0">
               <a:effectLst/>
               <a:latin typeface="+mj-lt"/>
               <a:ea typeface="Times New Roman" panose="02020603050405020304" pitchFamily="18" charset="0"/>
@@ -10195,12 +10247,12 @@
               </a:lnSpc>
             </a:pPr>
             <a:r>
-              <a:rPr lang="en-GB" sz="1800" kern="0" dirty="0">
+              <a:rPr lang="en-GB" sz="2400" kern="0" dirty="0">
                 <a:effectLst/>
                 <a:latin typeface="+mj-lt"/>
                 <a:ea typeface="Times New Roman" panose="02020603050405020304" pitchFamily="18" charset="0"/>
               </a:rPr>
-              <a:t>The following line is included. </a:t>
+              <a:t>This clears any output channels that didn't contain input data</a:t>
             </a:r>
           </a:p>
           <a:p>
@@ -10211,7 +10263,7 @@
               <a:buNone/>
             </a:pPr>
             <a:r>
-              <a:rPr lang="en-GB" sz="1400" dirty="0">
+              <a:rPr lang="en-GB" sz="1800" dirty="0">
                 <a:solidFill>
                   <a:srgbClr val="0000FF"/>
                 </a:solidFill>
@@ -10222,7 +10274,7 @@
               <a:t>for</a:t>
             </a:r>
             <a:r>
-              <a:rPr lang="en-GB" sz="1400" dirty="0">
+              <a:rPr lang="en-GB" sz="1800" dirty="0">
                 <a:solidFill>
                   <a:srgbClr val="000000"/>
                 </a:solidFill>
@@ -10233,7 +10285,7 @@
               <a:t> (</a:t>
             </a:r>
             <a:r>
-              <a:rPr lang="en-GB" sz="1400" dirty="0">
+              <a:rPr lang="en-GB" sz="1800" dirty="0">
                 <a:solidFill>
                   <a:srgbClr val="0000FF"/>
                 </a:solidFill>
@@ -10244,7 +10296,7 @@
               <a:t>auto</a:t>
             </a:r>
             <a:r>
-              <a:rPr lang="en-GB" sz="1400" dirty="0">
+              <a:rPr lang="en-GB" sz="1800" dirty="0">
                 <a:solidFill>
                   <a:srgbClr val="000000"/>
                 </a:solidFill>
@@ -10255,7 +10307,7 @@
               <a:t> </a:t>
             </a:r>
             <a:r>
-              <a:rPr lang="en-GB" sz="1400" dirty="0" err="1">
+              <a:rPr lang="en-GB" sz="1800" dirty="0" err="1">
                 <a:solidFill>
                   <a:srgbClr val="000000"/>
                 </a:solidFill>
@@ -10266,7 +10318,7 @@
               <a:t>i</a:t>
             </a:r>
             <a:r>
-              <a:rPr lang="en-GB" sz="1400" dirty="0">
+              <a:rPr lang="en-GB" sz="1800" dirty="0">
                 <a:solidFill>
                   <a:srgbClr val="000000"/>
                 </a:solidFill>
@@ -10277,7 +10329,7 @@
               <a:t> = </a:t>
             </a:r>
             <a:r>
-              <a:rPr lang="en-GB" sz="1400" dirty="0" err="1">
+              <a:rPr lang="en-GB" sz="1800" dirty="0" err="1">
                 <a:solidFill>
                   <a:srgbClr val="000000"/>
                 </a:solidFill>
@@ -10288,7 +10340,7 @@
               <a:t>totalNumInputChannels</a:t>
             </a:r>
             <a:r>
-              <a:rPr lang="en-GB" sz="1400" dirty="0">
+              <a:rPr lang="en-GB" sz="1800" dirty="0">
                 <a:solidFill>
                   <a:srgbClr val="000000"/>
                 </a:solidFill>
@@ -10299,7 +10351,7 @@
               <a:t>; </a:t>
             </a:r>
             <a:r>
-              <a:rPr lang="en-GB" sz="1400" dirty="0" err="1">
+              <a:rPr lang="en-GB" sz="1800" dirty="0" err="1">
                 <a:solidFill>
                   <a:srgbClr val="000000"/>
                 </a:solidFill>
@@ -10310,7 +10362,7 @@
               <a:t>i</a:t>
             </a:r>
             <a:r>
-              <a:rPr lang="en-GB" sz="1400" dirty="0">
+              <a:rPr lang="en-GB" sz="1800" dirty="0">
                 <a:solidFill>
                   <a:srgbClr val="000000"/>
                 </a:solidFill>
@@ -10321,7 +10373,7 @@
               <a:t>&lt;</a:t>
             </a:r>
             <a:r>
-              <a:rPr lang="en-GB" sz="1400" dirty="0" err="1">
+              <a:rPr lang="en-GB" sz="1800" dirty="0" err="1">
                 <a:solidFill>
                   <a:srgbClr val="000000"/>
                 </a:solidFill>
@@ -10332,7 +10384,7 @@
               <a:t>totalNumOutputChannels</a:t>
             </a:r>
             <a:r>
-              <a:rPr lang="en-GB" sz="1400" dirty="0">
+              <a:rPr lang="en-GB" sz="1800" dirty="0">
                 <a:solidFill>
                   <a:srgbClr val="000000"/>
                 </a:solidFill>
@@ -10343,7 +10395,7 @@
               <a:t>; ++</a:t>
             </a:r>
             <a:r>
-              <a:rPr lang="en-GB" sz="1400" dirty="0" err="1">
+              <a:rPr lang="en-GB" sz="1800" dirty="0" err="1">
                 <a:solidFill>
                   <a:srgbClr val="000000"/>
                 </a:solidFill>
@@ -10354,7 +10406,7 @@
               <a:t>i</a:t>
             </a:r>
             <a:r>
-              <a:rPr lang="en-GB" sz="1400" dirty="0">
+              <a:rPr lang="en-GB" sz="1800" dirty="0">
                 <a:solidFill>
                   <a:srgbClr val="000000"/>
                 </a:solidFill>
@@ -10365,7 +10417,7 @@
               <a:t>) </a:t>
             </a:r>
             <a:r>
-              <a:rPr lang="en-GB" sz="1400" dirty="0" err="1">
+              <a:rPr lang="en-GB" sz="1800" dirty="0" err="1">
                 <a:solidFill>
                   <a:srgbClr val="000000"/>
                 </a:solidFill>
@@ -10376,7 +10428,7 @@
               <a:t>buffer.clear</a:t>
             </a:r>
             <a:r>
-              <a:rPr lang="en-GB" sz="1400" dirty="0">
+              <a:rPr lang="en-GB" sz="1800" dirty="0">
                 <a:solidFill>
                   <a:srgbClr val="000000"/>
                 </a:solidFill>
@@ -10386,8 +10438,49 @@
               </a:rPr>
               <a:t>(i,0,buffer.getNumSamples());</a:t>
             </a:r>
-            <a:endParaRPr lang="en-GB" sz="1400" kern="100" dirty="0">
+            <a:endParaRPr lang="en-GB" sz="1800" kern="100" dirty="0">
               <a:latin typeface="Times New Roman" panose="02020603050405020304" pitchFamily="18" charset="0"/>
+              <a:ea typeface="Times New Roman" panose="02020603050405020304" pitchFamily="18" charset="0"/>
+            </a:endParaRPr>
+          </a:p>
+          <a:p>
+            <a:pPr lvl="1">
+              <a:lnSpc>
+                <a:spcPct val="150000"/>
+              </a:lnSpc>
+            </a:pPr>
+            <a:r>
+              <a:rPr lang="en-GB" sz="1600" kern="0" dirty="0">
+                <a:effectLst/>
+                <a:latin typeface="+mj-lt"/>
+                <a:ea typeface="Times New Roman" panose="02020603050405020304" pitchFamily="18" charset="0"/>
+              </a:rPr>
+              <a:t>You don't need it if your algorithm always overwrites all</a:t>
+            </a:r>
+            <a:r>
+              <a:rPr lang="en-GB" sz="1600" kern="0" dirty="0">
+                <a:effectLst/>
+                <a:latin typeface="+mj-lt"/>
+                <a:ea typeface="Times New Roman" panose="02020603050405020304" pitchFamily="18" charset="0"/>
+                <a:cs typeface="Cascadia Mono" panose="020B0609020000020004" pitchFamily="49" charset="0"/>
+              </a:rPr>
+              <a:t> </a:t>
+            </a:r>
+            <a:r>
+              <a:rPr lang="en-GB" sz="1600" kern="0" dirty="0">
+                <a:solidFill>
+                  <a:srgbClr val="008000"/>
+                </a:solidFill>
+                <a:effectLst/>
+                <a:latin typeface="+mj-lt"/>
+                <a:ea typeface="Times New Roman" panose="02020603050405020304" pitchFamily="18" charset="0"/>
+                <a:cs typeface="Cascadia Mono" panose="020B0609020000020004" pitchFamily="49" charset="0"/>
+              </a:rPr>
+              <a:t>the output channels.</a:t>
+            </a:r>
+            <a:endParaRPr lang="en-GB" sz="1600" kern="100" dirty="0">
+              <a:effectLst/>
+              <a:latin typeface="+mj-lt"/>
               <a:ea typeface="Times New Roman" panose="02020603050405020304" pitchFamily="18" charset="0"/>
             </a:endParaRPr>
           </a:p>
@@ -10398,95 +10491,63 @@
               </a:lnSpc>
             </a:pPr>
             <a:r>
-              <a:rPr lang="en-GB" sz="1800" kern="0" dirty="0">
+              <a:rPr lang="en-GB" sz="2400" kern="0" dirty="0">
                 <a:effectLst/>
                 <a:latin typeface="+mj-lt"/>
                 <a:ea typeface="Times New Roman" panose="02020603050405020304" pitchFamily="18" charset="0"/>
               </a:rPr>
-              <a:t>In case we have more outputs than inputs, this code clears any output channels that didn't contain input data, (because these aren't guaranteed to be empty - they may contain garbage).</a:t>
-            </a:r>
-            <a:endParaRPr lang="en-GB" sz="1800" kern="100" dirty="0">
+              <a:t>Then it has place where you normally do the plugin’s audio processing.</a:t>
+            </a:r>
+          </a:p>
+          <a:p>
+            <a:pPr lvl="1">
+              <a:lnSpc>
+                <a:spcPct val="150000"/>
+              </a:lnSpc>
+            </a:pPr>
+            <a:r>
+              <a:rPr lang="en-GB" sz="1600" dirty="0">
+                <a:latin typeface="+mj-lt"/>
+                <a:ea typeface="Times New Roman" panose="02020603050405020304" pitchFamily="18" charset="0"/>
+              </a:rPr>
+              <a:t>Either </a:t>
+            </a:r>
+            <a:r>
+              <a:rPr lang="en-GB" sz="1600" kern="0" dirty="0">
+                <a:effectLst/>
+                <a:latin typeface="+mj-lt"/>
+                <a:ea typeface="Times New Roman" panose="02020603050405020304" pitchFamily="18" charset="0"/>
+              </a:rPr>
+              <a:t>inner loop processing samples and outer loop handling channels</a:t>
+            </a:r>
+            <a:r>
+              <a:rPr lang="en-GB" sz="1600" dirty="0">
+                <a:latin typeface="+mj-lt"/>
+                <a:ea typeface="Times New Roman" panose="02020603050405020304" pitchFamily="18" charset="0"/>
+              </a:rPr>
+              <a:t>, or</a:t>
+            </a:r>
+            <a:endParaRPr lang="en-GB" sz="1600" kern="100" dirty="0">
               <a:effectLst/>
               <a:latin typeface="+mj-lt"/>
               <a:ea typeface="Times New Roman" panose="02020603050405020304" pitchFamily="18" charset="0"/>
             </a:endParaRPr>
           </a:p>
           <a:p>
-            <a:pPr>
+            <a:pPr lvl="1">
               <a:lnSpc>
                 <a:spcPct val="150000"/>
               </a:lnSpc>
             </a:pPr>
             <a:r>
-              <a:rPr lang="en-GB" sz="1800" kern="0" dirty="0">
+              <a:rPr lang="en-GB" sz="1600" kern="0" dirty="0">
                 <a:effectLst/>
                 <a:latin typeface="+mj-lt"/>
                 <a:ea typeface="Times New Roman" panose="02020603050405020304" pitchFamily="18" charset="0"/>
               </a:rPr>
-              <a:t>It helps to avoid people getting screaming feedback when they first compile a plugin, but obviously you don't need to keep this code if your algorithm always overwrites all</a:t>
-            </a:r>
-            <a:r>
-              <a:rPr lang="en-GB" sz="1800" kern="0" dirty="0">
-                <a:effectLst/>
-                <a:latin typeface="+mj-lt"/>
-                <a:ea typeface="Times New Roman" panose="02020603050405020304" pitchFamily="18" charset="0"/>
-                <a:cs typeface="Cascadia Mono" panose="020B0609020000020004" pitchFamily="49" charset="0"/>
-              </a:rPr>
-              <a:t> </a:t>
-            </a:r>
-            <a:r>
-              <a:rPr lang="en-GB" sz="1800" kern="0" dirty="0">
-                <a:solidFill>
-                  <a:srgbClr val="008000"/>
-                </a:solidFill>
-                <a:effectLst/>
-                <a:latin typeface="+mj-lt"/>
-                <a:ea typeface="Times New Roman" panose="02020603050405020304" pitchFamily="18" charset="0"/>
-                <a:cs typeface="Cascadia Mono" panose="020B0609020000020004" pitchFamily="49" charset="0"/>
-              </a:rPr>
-              <a:t>the output channels.</a:t>
-            </a:r>
-            <a:endParaRPr lang="en-GB" sz="1800" kern="100" dirty="0">
-              <a:effectLst/>
-              <a:latin typeface="+mj-lt"/>
-              <a:ea typeface="Times New Roman" panose="02020603050405020304" pitchFamily="18" charset="0"/>
-            </a:endParaRPr>
-          </a:p>
-          <a:p>
-            <a:pPr>
-              <a:lnSpc>
-                <a:spcPct val="150000"/>
-              </a:lnSpc>
-            </a:pPr>
-            <a:r>
-              <a:rPr lang="en-GB" sz="1800" kern="0" dirty="0">
-                <a:effectLst/>
-                <a:latin typeface="+mj-lt"/>
-                <a:ea typeface="Times New Roman" panose="02020603050405020304" pitchFamily="18" charset="0"/>
-              </a:rPr>
-              <a:t>Then it has is the place where you'd normally do the guts of your plugin's audio processing... Make sure to reset the state if your inner loop is processing the samples and the outer loop is handling the channels.</a:t>
-            </a:r>
-            <a:endParaRPr lang="en-GB" sz="1800" kern="100" dirty="0">
-              <a:effectLst/>
-              <a:latin typeface="+mj-lt"/>
-              <a:ea typeface="Times New Roman" panose="02020603050405020304" pitchFamily="18" charset="0"/>
-            </a:endParaRPr>
-          </a:p>
-          <a:p>
-            <a:pPr>
-              <a:lnSpc>
-                <a:spcPct val="150000"/>
-              </a:lnSpc>
-            </a:pPr>
-            <a:r>
-              <a:rPr lang="en-GB" sz="1800" kern="0" dirty="0">
-                <a:effectLst/>
-                <a:latin typeface="+mj-lt"/>
-                <a:ea typeface="Times New Roman" panose="02020603050405020304" pitchFamily="18" charset="0"/>
-              </a:rPr>
-              <a:t>Alternatively, you can process the samples with the channels interleaved by keeping the same state.</a:t>
-            </a:r>
-            <a:endParaRPr lang="en-GB" sz="1800" kern="100" dirty="0">
+              <a:t>process the samples with the channels interleaved</a:t>
+            </a:r>
+            <a:endParaRPr lang="en-GB" sz="1600" kern="100" dirty="0">
               <a:effectLst/>
               <a:latin typeface="+mj-lt"/>
               <a:ea typeface="Times New Roman" panose="02020603050405020304" pitchFamily="18" charset="0"/>
